--- a/operator optimization/FLAT An Optimized Dataflow forMitigating Attention Bottlenecks/新建 Microsoft PowerPoint 演示文稿.pptx
+++ b/operator optimization/FLAT An Optimized Dataflow forMitigating Attention Bottlenecks/新建 Microsoft PowerPoint 演示文稿.pptx
@@ -203,7 +203,7 @@
           <a:p>
             <a:fld id="{782F9671-E0F2-49AE-989D-C4EAA1DFDF26}" type="datetimeFigureOut">
               <a:rPr lang="zh-CN" altLang="en-US" smtClean="0"/>
-              <a:t>2023/6/2</a:t>
+              <a:t>2023/8/13</a:t>
             </a:fld>
             <a:endParaRPr lang="zh-CN" altLang="en-US"/>
           </a:p>
@@ -704,7 +704,7 @@
           <a:p>
             <a:fld id="{28A8F5BB-202D-4643-8270-2788C84F23B5}" type="datetimeFigureOut">
               <a:rPr lang="zh-CN" altLang="en-US" smtClean="0"/>
-              <a:t>2023/6/2</a:t>
+              <a:t>2023/8/13</a:t>
             </a:fld>
             <a:endParaRPr lang="zh-CN" altLang="en-US"/>
           </a:p>
@@ -902,7 +902,7 @@
           <a:p>
             <a:fld id="{28A8F5BB-202D-4643-8270-2788C84F23B5}" type="datetimeFigureOut">
               <a:rPr lang="zh-CN" altLang="en-US" smtClean="0"/>
-              <a:t>2023/6/2</a:t>
+              <a:t>2023/8/13</a:t>
             </a:fld>
             <a:endParaRPr lang="zh-CN" altLang="en-US"/>
           </a:p>
@@ -1110,7 +1110,7 @@
           <a:p>
             <a:fld id="{28A8F5BB-202D-4643-8270-2788C84F23B5}" type="datetimeFigureOut">
               <a:rPr lang="zh-CN" altLang="en-US" smtClean="0"/>
-              <a:t>2023/6/2</a:t>
+              <a:t>2023/8/13</a:t>
             </a:fld>
             <a:endParaRPr lang="zh-CN" altLang="en-US"/>
           </a:p>
@@ -1308,7 +1308,7 @@
           <a:p>
             <a:fld id="{28A8F5BB-202D-4643-8270-2788C84F23B5}" type="datetimeFigureOut">
               <a:rPr lang="zh-CN" altLang="en-US" smtClean="0"/>
-              <a:t>2023/6/2</a:t>
+              <a:t>2023/8/13</a:t>
             </a:fld>
             <a:endParaRPr lang="zh-CN" altLang="en-US"/>
           </a:p>
@@ -1583,7 +1583,7 @@
           <a:p>
             <a:fld id="{28A8F5BB-202D-4643-8270-2788C84F23B5}" type="datetimeFigureOut">
               <a:rPr lang="zh-CN" altLang="en-US" smtClean="0"/>
-              <a:t>2023/6/2</a:t>
+              <a:t>2023/8/13</a:t>
             </a:fld>
             <a:endParaRPr lang="zh-CN" altLang="en-US"/>
           </a:p>
@@ -1848,7 +1848,7 @@
           <a:p>
             <a:fld id="{28A8F5BB-202D-4643-8270-2788C84F23B5}" type="datetimeFigureOut">
               <a:rPr lang="zh-CN" altLang="en-US" smtClean="0"/>
-              <a:t>2023/6/2</a:t>
+              <a:t>2023/8/13</a:t>
             </a:fld>
             <a:endParaRPr lang="zh-CN" altLang="en-US"/>
           </a:p>
@@ -2260,7 +2260,7 @@
           <a:p>
             <a:fld id="{28A8F5BB-202D-4643-8270-2788C84F23B5}" type="datetimeFigureOut">
               <a:rPr lang="zh-CN" altLang="en-US" smtClean="0"/>
-              <a:t>2023/6/2</a:t>
+              <a:t>2023/8/13</a:t>
             </a:fld>
             <a:endParaRPr lang="zh-CN" altLang="en-US"/>
           </a:p>
@@ -2401,7 +2401,7 @@
           <a:p>
             <a:fld id="{28A8F5BB-202D-4643-8270-2788C84F23B5}" type="datetimeFigureOut">
               <a:rPr lang="zh-CN" altLang="en-US" smtClean="0"/>
-              <a:t>2023/6/2</a:t>
+              <a:t>2023/8/13</a:t>
             </a:fld>
             <a:endParaRPr lang="zh-CN" altLang="en-US"/>
           </a:p>
@@ -2514,7 +2514,7 @@
           <a:p>
             <a:fld id="{28A8F5BB-202D-4643-8270-2788C84F23B5}" type="datetimeFigureOut">
               <a:rPr lang="zh-CN" altLang="en-US" smtClean="0"/>
-              <a:t>2023/6/2</a:t>
+              <a:t>2023/8/13</a:t>
             </a:fld>
             <a:endParaRPr lang="zh-CN" altLang="en-US"/>
           </a:p>
@@ -2825,7 +2825,7 @@
           <a:p>
             <a:fld id="{28A8F5BB-202D-4643-8270-2788C84F23B5}" type="datetimeFigureOut">
               <a:rPr lang="zh-CN" altLang="en-US" smtClean="0"/>
-              <a:t>2023/6/2</a:t>
+              <a:t>2023/8/13</a:t>
             </a:fld>
             <a:endParaRPr lang="zh-CN" altLang="en-US"/>
           </a:p>
@@ -3113,7 +3113,7 @@
           <a:p>
             <a:fld id="{28A8F5BB-202D-4643-8270-2788C84F23B5}" type="datetimeFigureOut">
               <a:rPr lang="zh-CN" altLang="en-US" smtClean="0"/>
-              <a:t>2023/6/2</a:t>
+              <a:t>2023/8/13</a:t>
             </a:fld>
             <a:endParaRPr lang="zh-CN" altLang="en-US"/>
           </a:p>
@@ -3354,7 +3354,7 @@
           <a:p>
             <a:fld id="{28A8F5BB-202D-4643-8270-2788C84F23B5}" type="datetimeFigureOut">
               <a:rPr lang="zh-CN" altLang="en-US" smtClean="0"/>
-              <a:t>2023/6/2</a:t>
+              <a:t>2023/8/13</a:t>
             </a:fld>
             <a:endParaRPr lang="zh-CN" altLang="en-US"/>
           </a:p>
